--- a/Demo Day.pptx
+++ b/Demo Day.pptx
@@ -1743,7 +1743,7 @@
           </a:r>
           <a:r>
             <a:rPr lang="en-US" dirty="0"/>
-            <a:t> files from the Mercury server to the EdgeNode using scp.</a:t>
+            <a:t> files from [REDACTED] server to the EdgeNode using scp.</a:t>
           </a:r>
         </a:p>
       </dgm:t>
@@ -2361,7 +2361,7 @@
           </a:r>
           <a:r>
             <a:rPr lang="en-US" sz="1800" kern="1200" dirty="0"/>
-            <a:t> files from the Mercury server to the EdgeNode using scp.</a:t>
+            <a:t> files from [REDACTED] server to the EdgeNode using scp.</a:t>
           </a:r>
         </a:p>
         <a:p>
@@ -5461,7 +5461,7 @@
           <a:p>
             <a:fld id="{B3FF3734-841F-424C-B18C-44186F4BCBF1}" type="datetimeFigureOut">
               <a:rPr lang="en-US" smtClean="0"/>
-              <a:t>8/6/2021</a:t>
+              <a:t>10/29/2023</a:t>
             </a:fld>
             <a:endParaRPr lang="en-US" dirty="0"/>
           </a:p>
@@ -5626,7 +5626,7 @@
           <a:p>
             <a:fld id="{1BDF9CF1-8D23-A44D-BA94-00A0F831414A}" type="datetimeFigureOut">
               <a:rPr lang="en-US" smtClean="0"/>
-              <a:t>8/6/2021</a:t>
+              <a:t>10/29/2023</a:t>
             </a:fld>
             <a:endParaRPr lang="en-US" dirty="0"/>
           </a:p>
@@ -6176,7 +6176,7 @@
           <a:p>
             <a:r>
               <a:rPr lang="en-US" dirty="0"/>
-              <a:t>Where data is located – mercury, transfer from mercury to Hadoop</a:t>
+              <a:t>Where data is located – mercury, transfer from [REDACTED]to Hadoop</a:t>
             </a:r>
           </a:p>
           <a:p>
@@ -25487,7 +25487,7 @@
             <a:pPr lvl="3"/>
             <a:r>
               <a:rPr lang="en-US" dirty="0"/>
-              <a:t>Moving files between the Mercury Server and R could take up to 48 hours.</a:t>
+              <a:t>Moving files between [REDACTED] and R could take up to 48 hours.</a:t>
             </a:r>
           </a:p>
           <a:p>
@@ -25657,7 +25657,7 @@
             <a:pPr lvl="3"/>
             <a:r>
               <a:rPr lang="en-US" dirty="0"/>
-              <a:t>‘scp’ command is used to move files between the Mercury server and HDFS. </a:t>
+              <a:t>‘scp’ command is used to move files between [REDACTED] server and HDFS. </a:t>
             </a:r>
           </a:p>
           <a:p>
@@ -25942,7 +25942,7 @@
           <p:nvPr>
             <p:extLst>
               <p:ext uri="{D42A27DB-BD31-4B8C-83A1-F6EECF244321}">
-                <p14:modId xmlns:p14="http://schemas.microsoft.com/office/powerpoint/2010/main" val="1424309998"/>
+                <p14:modId xmlns:p14="http://schemas.microsoft.com/office/powerpoint/2010/main" val="1817564076"/>
               </p:ext>
             </p:extLst>
           </p:nvPr>
